--- a/HTML.pptx
+++ b/HTML.pptx
@@ -23,6 +23,8 @@
     <p:sldId id="284" r:id="rId17"/>
     <p:sldId id="285" r:id="rId18"/>
     <p:sldId id="286" r:id="rId19"/>
+    <p:sldId id="287" r:id="rId20"/>
+    <p:sldId id="288" r:id="rId21"/>
   </p:sldIdLst>
   <p:sldSz cx="12192000" cy="6858000"/>
   <p:notesSz cx="6858000" cy="9144000"/>
@@ -276,7 +278,7 @@
           <a:p>
             <a:fld id="{8960C76F-92DF-44BC-AFBF-C48330883197}" type="datetimeFigureOut">
               <a:rPr lang="en-US" smtClean="0"/>
-              <a:t>10/16/2024</a:t>
+              <a:t>10/18/2024</a:t>
             </a:fld>
             <a:endParaRPr lang="en-US"/>
           </a:p>
@@ -474,7 +476,7 @@
           <a:p>
             <a:fld id="{8960C76F-92DF-44BC-AFBF-C48330883197}" type="datetimeFigureOut">
               <a:rPr lang="en-US" smtClean="0"/>
-              <a:t>10/16/2024</a:t>
+              <a:t>10/18/2024</a:t>
             </a:fld>
             <a:endParaRPr lang="en-US"/>
           </a:p>
@@ -682,7 +684,7 @@
           <a:p>
             <a:fld id="{8960C76F-92DF-44BC-AFBF-C48330883197}" type="datetimeFigureOut">
               <a:rPr lang="en-US" smtClean="0"/>
-              <a:t>10/16/2024</a:t>
+              <a:t>10/18/2024</a:t>
             </a:fld>
             <a:endParaRPr lang="en-US"/>
           </a:p>
@@ -880,7 +882,7 @@
           <a:p>
             <a:fld id="{8960C76F-92DF-44BC-AFBF-C48330883197}" type="datetimeFigureOut">
               <a:rPr lang="en-US" smtClean="0"/>
-              <a:t>10/16/2024</a:t>
+              <a:t>10/18/2024</a:t>
             </a:fld>
             <a:endParaRPr lang="en-US"/>
           </a:p>
@@ -1155,7 +1157,7 @@
           <a:p>
             <a:fld id="{8960C76F-92DF-44BC-AFBF-C48330883197}" type="datetimeFigureOut">
               <a:rPr lang="en-US" smtClean="0"/>
-              <a:t>10/16/2024</a:t>
+              <a:t>10/18/2024</a:t>
             </a:fld>
             <a:endParaRPr lang="en-US"/>
           </a:p>
@@ -1420,7 +1422,7 @@
           <a:p>
             <a:fld id="{8960C76F-92DF-44BC-AFBF-C48330883197}" type="datetimeFigureOut">
               <a:rPr lang="en-US" smtClean="0"/>
-              <a:t>10/16/2024</a:t>
+              <a:t>10/18/2024</a:t>
             </a:fld>
             <a:endParaRPr lang="en-US"/>
           </a:p>
@@ -1832,7 +1834,7 @@
           <a:p>
             <a:fld id="{8960C76F-92DF-44BC-AFBF-C48330883197}" type="datetimeFigureOut">
               <a:rPr lang="en-US" smtClean="0"/>
-              <a:t>10/16/2024</a:t>
+              <a:t>10/18/2024</a:t>
             </a:fld>
             <a:endParaRPr lang="en-US"/>
           </a:p>
@@ -1973,7 +1975,7 @@
           <a:p>
             <a:fld id="{8960C76F-92DF-44BC-AFBF-C48330883197}" type="datetimeFigureOut">
               <a:rPr lang="en-US" smtClean="0"/>
-              <a:t>10/16/2024</a:t>
+              <a:t>10/18/2024</a:t>
             </a:fld>
             <a:endParaRPr lang="en-US"/>
           </a:p>
@@ -2086,7 +2088,7 @@
           <a:p>
             <a:fld id="{8960C76F-92DF-44BC-AFBF-C48330883197}" type="datetimeFigureOut">
               <a:rPr lang="en-US" smtClean="0"/>
-              <a:t>10/16/2024</a:t>
+              <a:t>10/18/2024</a:t>
             </a:fld>
             <a:endParaRPr lang="en-US"/>
           </a:p>
@@ -2397,7 +2399,7 @@
           <a:p>
             <a:fld id="{8960C76F-92DF-44BC-AFBF-C48330883197}" type="datetimeFigureOut">
               <a:rPr lang="en-US" smtClean="0"/>
-              <a:t>10/16/2024</a:t>
+              <a:t>10/18/2024</a:t>
             </a:fld>
             <a:endParaRPr lang="en-US"/>
           </a:p>
@@ -2685,7 +2687,7 @@
           <a:p>
             <a:fld id="{8960C76F-92DF-44BC-AFBF-C48330883197}" type="datetimeFigureOut">
               <a:rPr lang="en-US" smtClean="0"/>
-              <a:t>10/16/2024</a:t>
+              <a:t>10/18/2024</a:t>
             </a:fld>
             <a:endParaRPr lang="en-US"/>
           </a:p>
@@ -2926,7 +2928,7 @@
           <a:p>
             <a:fld id="{8960C76F-92DF-44BC-AFBF-C48330883197}" type="datetimeFigureOut">
               <a:rPr lang="en-US" smtClean="0"/>
-              <a:t>10/16/2024</a:t>
+              <a:t>10/18/2024</a:t>
             </a:fld>
             <a:endParaRPr lang="en-US"/>
           </a:p>
@@ -4716,6 +4718,293 @@
 </p:sld>
 </file>
 
+<file path=ppt/slides/slide19.xml><?xml version="1.0" encoding="utf-8"?>
+<p:sld xmlns:a="http://schemas.openxmlformats.org/drawingml/2006/main" xmlns:r="http://schemas.openxmlformats.org/officeDocument/2006/relationships" xmlns:p="http://schemas.openxmlformats.org/presentationml/2006/main">
+  <p:cSld>
+    <p:spTree>
+      <p:nvGrpSpPr>
+        <p:cNvPr id="1" name=""/>
+        <p:cNvGrpSpPr/>
+        <p:nvPr/>
+      </p:nvGrpSpPr>
+      <p:grpSpPr>
+        <a:xfrm>
+          <a:off x="0" y="0"/>
+          <a:ext cx="0" cy="0"/>
+          <a:chOff x="0" y="0"/>
+          <a:chExt cx="0" cy="0"/>
+        </a:xfrm>
+      </p:grpSpPr>
+      <p:sp>
+        <p:nvSpPr>
+          <p:cNvPr id="2" name="Title 1">
+            <a:extLst>
+              <a:ext uri="{FF2B5EF4-FFF2-40B4-BE49-F238E27FC236}">
+                <a16:creationId xmlns:a16="http://schemas.microsoft.com/office/drawing/2014/main" id="{FB141295-C5DB-5F58-07EF-BBB78AE5FD3D}"/>
+              </a:ext>
+            </a:extLst>
+          </p:cNvPr>
+          <p:cNvSpPr>
+            <a:spLocks noGrp="1"/>
+          </p:cNvSpPr>
+          <p:nvPr>
+            <p:ph type="title"/>
+          </p:nvPr>
+        </p:nvSpPr>
+        <p:spPr/>
+        <p:txBody>
+          <a:bodyPr/>
+          <a:lstStyle/>
+          <a:p>
+            <a:r>
+              <a:rPr lang="en-US" dirty="0"/>
+              <a:t>Table Tag</a:t>
+            </a:r>
+          </a:p>
+        </p:txBody>
+      </p:sp>
+      <p:graphicFrame>
+        <p:nvGraphicFramePr>
+          <p:cNvPr id="4" name="Content Placeholder 3">
+            <a:extLst>
+              <a:ext uri="{FF2B5EF4-FFF2-40B4-BE49-F238E27FC236}">
+                <a16:creationId xmlns:a16="http://schemas.microsoft.com/office/drawing/2014/main" id="{EDF60CD4-64B3-5A26-B892-4803E1569984}"/>
+              </a:ext>
+            </a:extLst>
+          </p:cNvPr>
+          <p:cNvGraphicFramePr>
+            <a:graphicFrameLocks noGrp="1"/>
+          </p:cNvGraphicFramePr>
+          <p:nvPr>
+            <p:ph idx="1"/>
+            <p:extLst>
+              <p:ext uri="{D42A27DB-BD31-4B8C-83A1-F6EECF244321}">
+                <p14:modId xmlns:p14="http://schemas.microsoft.com/office/powerpoint/2010/main" val="2489781383"/>
+              </p:ext>
+            </p:extLst>
+          </p:nvPr>
+        </p:nvGraphicFramePr>
+        <p:xfrm>
+          <a:off x="838200" y="1825625"/>
+          <a:ext cx="10515600" cy="2470604"/>
+        </p:xfrm>
+        <a:graphic>
+          <a:graphicData uri="http://schemas.openxmlformats.org/drawingml/2006/table">
+            <a:tbl>
+              <a:tblPr firstRow="1" bandRow="1">
+                <a:tableStyleId>{5C22544A-7EE6-4342-B048-85BDC9FD1C3A}</a:tableStyleId>
+              </a:tblPr>
+              <a:tblGrid>
+                <a:gridCol w="2103120">
+                  <a:extLst>
+                    <a:ext uri="{9D8B030D-6E8A-4147-A177-3AD203B41FA5}">
+                      <a16:colId xmlns:a16="http://schemas.microsoft.com/office/drawing/2014/main" val="4200772607"/>
+                    </a:ext>
+                  </a:extLst>
+                </a:gridCol>
+                <a:gridCol w="2103120">
+                  <a:extLst>
+                    <a:ext uri="{9D8B030D-6E8A-4147-A177-3AD203B41FA5}">
+                      <a16:colId xmlns:a16="http://schemas.microsoft.com/office/drawing/2014/main" val="2132517987"/>
+                    </a:ext>
+                  </a:extLst>
+                </a:gridCol>
+                <a:gridCol w="2103120">
+                  <a:extLst>
+                    <a:ext uri="{9D8B030D-6E8A-4147-A177-3AD203B41FA5}">
+                      <a16:colId xmlns:a16="http://schemas.microsoft.com/office/drawing/2014/main" val="1663702906"/>
+                    </a:ext>
+                  </a:extLst>
+                </a:gridCol>
+                <a:gridCol w="2103120">
+                  <a:extLst>
+                    <a:ext uri="{9D8B030D-6E8A-4147-A177-3AD203B41FA5}">
+                      <a16:colId xmlns:a16="http://schemas.microsoft.com/office/drawing/2014/main" val="354008299"/>
+                    </a:ext>
+                  </a:extLst>
+                </a:gridCol>
+                <a:gridCol w="2103120">
+                  <a:extLst>
+                    <a:ext uri="{9D8B030D-6E8A-4147-A177-3AD203B41FA5}">
+                      <a16:colId xmlns:a16="http://schemas.microsoft.com/office/drawing/2014/main" val="2412804842"/>
+                    </a:ext>
+                  </a:extLst>
+                </a:gridCol>
+              </a:tblGrid>
+              <a:tr h="1235302">
+                <a:tc>
+                  <a:txBody>
+                    <a:bodyPr/>
+                    <a:lstStyle/>
+                    <a:p>
+                      <a:endParaRPr lang="en-US"/>
+                    </a:p>
+                  </a:txBody>
+                  <a:tcPr/>
+                </a:tc>
+                <a:tc>
+                  <a:txBody>
+                    <a:bodyPr/>
+                    <a:lstStyle/>
+                    <a:p>
+                      <a:endParaRPr lang="en-US"/>
+                    </a:p>
+                  </a:txBody>
+                  <a:tcPr/>
+                </a:tc>
+                <a:tc>
+                  <a:txBody>
+                    <a:bodyPr/>
+                    <a:lstStyle/>
+                    <a:p>
+                      <a:endParaRPr lang="en-US"/>
+                    </a:p>
+                  </a:txBody>
+                  <a:tcPr/>
+                </a:tc>
+                <a:tc>
+                  <a:txBody>
+                    <a:bodyPr/>
+                    <a:lstStyle/>
+                    <a:p>
+                      <a:endParaRPr lang="en-US"/>
+                    </a:p>
+                  </a:txBody>
+                  <a:tcPr/>
+                </a:tc>
+                <a:tc>
+                  <a:txBody>
+                    <a:bodyPr/>
+                    <a:lstStyle/>
+                    <a:p>
+                      <a:endParaRPr lang="en-US"/>
+                    </a:p>
+                  </a:txBody>
+                  <a:tcPr/>
+                </a:tc>
+                <a:extLst>
+                  <a:ext uri="{0D108BD9-81ED-4DB2-BD59-A6C34878D82A}">
+                    <a16:rowId xmlns:a16="http://schemas.microsoft.com/office/drawing/2014/main" val="516213370"/>
+                  </a:ext>
+                </a:extLst>
+              </a:tr>
+              <a:tr h="1235302">
+                <a:tc>
+                  <a:txBody>
+                    <a:bodyPr/>
+                    <a:lstStyle/>
+                    <a:p>
+                      <a:endParaRPr lang="en-US" dirty="0"/>
+                    </a:p>
+                  </a:txBody>
+                  <a:tcPr/>
+                </a:tc>
+                <a:tc>
+                  <a:txBody>
+                    <a:bodyPr/>
+                    <a:lstStyle/>
+                    <a:p>
+                      <a:endParaRPr lang="en-US" dirty="0"/>
+                    </a:p>
+                  </a:txBody>
+                  <a:tcPr/>
+                </a:tc>
+                <a:tc>
+                  <a:txBody>
+                    <a:bodyPr/>
+                    <a:lstStyle/>
+                    <a:p>
+                      <a:endParaRPr lang="en-US"/>
+                    </a:p>
+                  </a:txBody>
+                  <a:tcPr/>
+                </a:tc>
+                <a:tc>
+                  <a:txBody>
+                    <a:bodyPr/>
+                    <a:lstStyle/>
+                    <a:p>
+                      <a:endParaRPr lang="en-US"/>
+                    </a:p>
+                  </a:txBody>
+                  <a:tcPr/>
+                </a:tc>
+                <a:tc>
+                  <a:txBody>
+                    <a:bodyPr/>
+                    <a:lstStyle/>
+                    <a:p>
+                      <a:endParaRPr lang="en-US" dirty="0"/>
+                    </a:p>
+                  </a:txBody>
+                  <a:tcPr/>
+                </a:tc>
+                <a:extLst>
+                  <a:ext uri="{0D108BD9-81ED-4DB2-BD59-A6C34878D82A}">
+                    <a16:rowId xmlns:a16="http://schemas.microsoft.com/office/drawing/2014/main" val="3870999160"/>
+                  </a:ext>
+                </a:extLst>
+              </a:tr>
+            </a:tbl>
+          </a:graphicData>
+        </a:graphic>
+      </p:graphicFrame>
+      <p:sp>
+        <p:nvSpPr>
+          <p:cNvPr id="5" name="TextBox 4">
+            <a:extLst>
+              <a:ext uri="{FF2B5EF4-FFF2-40B4-BE49-F238E27FC236}">
+                <a16:creationId xmlns:a16="http://schemas.microsoft.com/office/drawing/2014/main" id="{BAA3EB0A-8533-EF5A-5D5A-686884D6AFD3}"/>
+              </a:ext>
+            </a:extLst>
+          </p:cNvPr>
+          <p:cNvSpPr txBox="1"/>
+          <p:nvPr/>
+        </p:nvSpPr>
+        <p:spPr>
+          <a:xfrm>
+            <a:off x="1175657" y="4992914"/>
+            <a:ext cx="1032975" cy="646331"/>
+          </a:xfrm>
+          <a:prstGeom prst="rect">
+            <a:avLst/>
+          </a:prstGeom>
+          <a:noFill/>
+        </p:spPr>
+        <p:txBody>
+          <a:bodyPr wrap="none" rtlCol="0">
+            <a:spAutoFit/>
+          </a:bodyPr>
+          <a:lstStyle/>
+          <a:p>
+            <a:r>
+              <a:rPr lang="en-US" dirty="0" err="1"/>
+              <a:t>Colspan</a:t>
+            </a:r>
+            <a:endParaRPr lang="en-US" dirty="0"/>
+          </a:p>
+          <a:p>
+            <a:r>
+              <a:rPr lang="en-US" dirty="0" err="1"/>
+              <a:t>Rowspan</a:t>
+            </a:r>
+            <a:endParaRPr lang="en-US" dirty="0"/>
+          </a:p>
+        </p:txBody>
+      </p:sp>
+    </p:spTree>
+    <p:extLst>
+      <p:ext uri="{BB962C8B-B14F-4D97-AF65-F5344CB8AC3E}">
+        <p14:creationId xmlns:p14="http://schemas.microsoft.com/office/powerpoint/2010/main" val="2295842400"/>
+      </p:ext>
+    </p:extLst>
+  </p:cSld>
+  <p:clrMapOvr>
+    <a:masterClrMapping/>
+  </p:clrMapOvr>
+</p:sld>
+</file>
+
 <file path=ppt/slides/slide2.xml><?xml version="1.0" encoding="utf-8"?>
 <p:sld xmlns:a="http://schemas.openxmlformats.org/drawingml/2006/main" xmlns:r="http://schemas.openxmlformats.org/officeDocument/2006/relationships" xmlns:p="http://schemas.openxmlformats.org/presentationml/2006/main">
   <p:cSld>
@@ -4804,6 +5093,110 @@
     <p:extLst>
       <p:ext uri="{BB962C8B-B14F-4D97-AF65-F5344CB8AC3E}">
         <p14:creationId xmlns:p14="http://schemas.microsoft.com/office/powerpoint/2010/main" val="2549053686"/>
+      </p:ext>
+    </p:extLst>
+  </p:cSld>
+  <p:clrMapOvr>
+    <a:masterClrMapping/>
+  </p:clrMapOvr>
+</p:sld>
+</file>
+
+<file path=ppt/slides/slide20.xml><?xml version="1.0" encoding="utf-8"?>
+<p:sld xmlns:a="http://schemas.openxmlformats.org/drawingml/2006/main" xmlns:r="http://schemas.openxmlformats.org/officeDocument/2006/relationships" xmlns:p="http://schemas.openxmlformats.org/presentationml/2006/main">
+  <p:cSld>
+    <p:spTree>
+      <p:nvGrpSpPr>
+        <p:cNvPr id="1" name=""/>
+        <p:cNvGrpSpPr/>
+        <p:nvPr/>
+      </p:nvGrpSpPr>
+      <p:grpSpPr>
+        <a:xfrm>
+          <a:off x="0" y="0"/>
+          <a:ext cx="0" cy="0"/>
+          <a:chOff x="0" y="0"/>
+          <a:chExt cx="0" cy="0"/>
+        </a:xfrm>
+      </p:grpSpPr>
+      <p:sp>
+        <p:nvSpPr>
+          <p:cNvPr id="2" name="Title 1">
+            <a:extLst>
+              <a:ext uri="{FF2B5EF4-FFF2-40B4-BE49-F238E27FC236}">
+                <a16:creationId xmlns:a16="http://schemas.microsoft.com/office/drawing/2014/main" id="{4D1F045A-93CA-C297-ECF4-5B781E268060}"/>
+              </a:ext>
+            </a:extLst>
+          </p:cNvPr>
+          <p:cNvSpPr>
+            <a:spLocks noGrp="1"/>
+          </p:cNvSpPr>
+          <p:nvPr>
+            <p:ph type="title"/>
+          </p:nvPr>
+        </p:nvSpPr>
+        <p:spPr/>
+        <p:txBody>
+          <a:bodyPr/>
+          <a:lstStyle/>
+          <a:p>
+            <a:endParaRPr lang="en-US"/>
+          </a:p>
+        </p:txBody>
+      </p:sp>
+      <p:sp>
+        <p:nvSpPr>
+          <p:cNvPr id="3" name="Content Placeholder 2">
+            <a:extLst>
+              <a:ext uri="{FF2B5EF4-FFF2-40B4-BE49-F238E27FC236}">
+                <a16:creationId xmlns:a16="http://schemas.microsoft.com/office/drawing/2014/main" id="{DCC281C1-CA2D-85DC-138E-E63E37E24892}"/>
+              </a:ext>
+            </a:extLst>
+          </p:cNvPr>
+          <p:cNvSpPr>
+            <a:spLocks noGrp="1"/>
+          </p:cNvSpPr>
+          <p:nvPr>
+            <p:ph idx="1"/>
+          </p:nvPr>
+        </p:nvSpPr>
+        <p:spPr/>
+        <p:txBody>
+          <a:bodyPr/>
+          <a:lstStyle/>
+          <a:p>
+            <a:r>
+              <a:rPr lang="en-US" dirty="0"/>
+              <a:t>Th</a:t>
+            </a:r>
+          </a:p>
+          <a:p>
+            <a:r>
+              <a:rPr lang="en-US" dirty="0" err="1"/>
+              <a:t>Thead</a:t>
+            </a:r>
+            <a:endParaRPr lang="en-US" dirty="0"/>
+          </a:p>
+          <a:p>
+            <a:r>
+              <a:rPr lang="en-US" dirty="0" err="1"/>
+              <a:t>Tbody</a:t>
+            </a:r>
+            <a:endParaRPr lang="en-US" dirty="0"/>
+          </a:p>
+          <a:p>
+            <a:r>
+              <a:rPr lang="en-US" dirty="0" err="1"/>
+              <a:t>tfoot</a:t>
+            </a:r>
+            <a:endParaRPr lang="en-US" dirty="0"/>
+          </a:p>
+        </p:txBody>
+      </p:sp>
+    </p:spTree>
+    <p:extLst>
+      <p:ext uri="{BB962C8B-B14F-4D97-AF65-F5344CB8AC3E}">
+        <p14:creationId xmlns:p14="http://schemas.microsoft.com/office/powerpoint/2010/main" val="1890655018"/>
       </p:ext>
     </p:extLst>
   </p:cSld>
